--- a/Report.pptx
+++ b/Report.pptx
@@ -261,7 +261,7 @@
           <a:p>
             <a:fld id="{96E9B245-2076-40CB-ACDE-D58775C98695}" type="datetimeFigureOut">
               <a:rPr lang="ko-KR" altLang="en-US" smtClean="0"/>
-              <a:t>2020-11-22</a:t>
+              <a:t>2020-11-27</a:t>
             </a:fld>
             <a:endParaRPr lang="ko-KR" altLang="en-US"/>
           </a:p>
@@ -459,7 +459,7 @@
           <a:p>
             <a:fld id="{96E9B245-2076-40CB-ACDE-D58775C98695}" type="datetimeFigureOut">
               <a:rPr lang="ko-KR" altLang="en-US" smtClean="0"/>
-              <a:t>2020-11-22</a:t>
+              <a:t>2020-11-27</a:t>
             </a:fld>
             <a:endParaRPr lang="ko-KR" altLang="en-US"/>
           </a:p>
@@ -667,7 +667,7 @@
           <a:p>
             <a:fld id="{96E9B245-2076-40CB-ACDE-D58775C98695}" type="datetimeFigureOut">
               <a:rPr lang="ko-KR" altLang="en-US" smtClean="0"/>
-              <a:t>2020-11-22</a:t>
+              <a:t>2020-11-27</a:t>
             </a:fld>
             <a:endParaRPr lang="ko-KR" altLang="en-US"/>
           </a:p>
@@ -865,7 +865,7 @@
           <a:p>
             <a:fld id="{96E9B245-2076-40CB-ACDE-D58775C98695}" type="datetimeFigureOut">
               <a:rPr lang="ko-KR" altLang="en-US" smtClean="0"/>
-              <a:t>2020-11-22</a:t>
+              <a:t>2020-11-27</a:t>
             </a:fld>
             <a:endParaRPr lang="ko-KR" altLang="en-US"/>
           </a:p>
@@ -1140,7 +1140,7 @@
           <a:p>
             <a:fld id="{96E9B245-2076-40CB-ACDE-D58775C98695}" type="datetimeFigureOut">
               <a:rPr lang="ko-KR" altLang="en-US" smtClean="0"/>
-              <a:t>2020-11-22</a:t>
+              <a:t>2020-11-27</a:t>
             </a:fld>
             <a:endParaRPr lang="ko-KR" altLang="en-US"/>
           </a:p>
@@ -1405,7 +1405,7 @@
           <a:p>
             <a:fld id="{96E9B245-2076-40CB-ACDE-D58775C98695}" type="datetimeFigureOut">
               <a:rPr lang="ko-KR" altLang="en-US" smtClean="0"/>
-              <a:t>2020-11-22</a:t>
+              <a:t>2020-11-27</a:t>
             </a:fld>
             <a:endParaRPr lang="ko-KR" altLang="en-US"/>
           </a:p>
@@ -1817,7 +1817,7 @@
           <a:p>
             <a:fld id="{96E9B245-2076-40CB-ACDE-D58775C98695}" type="datetimeFigureOut">
               <a:rPr lang="ko-KR" altLang="en-US" smtClean="0"/>
-              <a:t>2020-11-22</a:t>
+              <a:t>2020-11-27</a:t>
             </a:fld>
             <a:endParaRPr lang="ko-KR" altLang="en-US"/>
           </a:p>
@@ -1958,7 +1958,7 @@
           <a:p>
             <a:fld id="{96E9B245-2076-40CB-ACDE-D58775C98695}" type="datetimeFigureOut">
               <a:rPr lang="ko-KR" altLang="en-US" smtClean="0"/>
-              <a:t>2020-11-22</a:t>
+              <a:t>2020-11-27</a:t>
             </a:fld>
             <a:endParaRPr lang="ko-KR" altLang="en-US"/>
           </a:p>
@@ -2071,7 +2071,7 @@
           <a:p>
             <a:fld id="{96E9B245-2076-40CB-ACDE-D58775C98695}" type="datetimeFigureOut">
               <a:rPr lang="ko-KR" altLang="en-US" smtClean="0"/>
-              <a:t>2020-11-22</a:t>
+              <a:t>2020-11-27</a:t>
             </a:fld>
             <a:endParaRPr lang="ko-KR" altLang="en-US"/>
           </a:p>
@@ -2382,7 +2382,7 @@
           <a:p>
             <a:fld id="{96E9B245-2076-40CB-ACDE-D58775C98695}" type="datetimeFigureOut">
               <a:rPr lang="ko-KR" altLang="en-US" smtClean="0"/>
-              <a:t>2020-11-22</a:t>
+              <a:t>2020-11-27</a:t>
             </a:fld>
             <a:endParaRPr lang="ko-KR" altLang="en-US"/>
           </a:p>
@@ -2670,7 +2670,7 @@
           <a:p>
             <a:fld id="{96E9B245-2076-40CB-ACDE-D58775C98695}" type="datetimeFigureOut">
               <a:rPr lang="ko-KR" altLang="en-US" smtClean="0"/>
-              <a:t>2020-11-22</a:t>
+              <a:t>2020-11-27</a:t>
             </a:fld>
             <a:endParaRPr lang="ko-KR" altLang="en-US"/>
           </a:p>
@@ -2911,7 +2911,7 @@
           <a:p>
             <a:fld id="{96E9B245-2076-40CB-ACDE-D58775C98695}" type="datetimeFigureOut">
               <a:rPr lang="ko-KR" altLang="en-US" smtClean="0"/>
-              <a:t>2020-11-22</a:t>
+              <a:t>2020-11-27</a:t>
             </a:fld>
             <a:endParaRPr lang="ko-KR" altLang="en-US"/>
           </a:p>
@@ -4487,8 +4487,8 @@
         </p:nvSpPr>
         <p:spPr>
           <a:xfrm>
-            <a:off x="376334" y="3522306"/>
-            <a:ext cx="11439332" cy="338554"/>
+            <a:off x="376333" y="3497734"/>
+            <a:ext cx="11439332" cy="1077218"/>
           </a:xfrm>
           <a:prstGeom prst="rect">
             <a:avLst/>
@@ -4510,10 +4510,20 @@
                 </a:solidFill>
                 <a:latin typeface="+mn-ea"/>
               </a:rPr>
-              <a:t>여기에 아이디어를 자유롭게 작성해보세요</a:t>
-            </a:r>
-            <a:r>
-              <a:rPr lang="en-US" altLang="ko-KR" sz="1600" dirty="0">
+              <a:t>마스크의 착용여부를 알려주기</a:t>
+            </a:r>
+            <a:endParaRPr lang="en-US" altLang="ko-KR" sz="1600" dirty="0">
+              <a:solidFill>
+                <a:schemeClr val="bg2">
+                  <a:lumMod val="90000"/>
+                </a:schemeClr>
+              </a:solidFill>
+              <a:latin typeface="+mn-ea"/>
+            </a:endParaRPr>
+          </a:p>
+          <a:p>
+            <a:r>
+              <a:rPr lang="ko-KR" altLang="en-US" sz="1600" dirty="0">
                 <a:solidFill>
                   <a:schemeClr val="bg2">
                     <a:lumMod val="90000"/>
@@ -4521,8 +4531,50 @@
                 </a:solidFill>
                 <a:latin typeface="+mn-ea"/>
               </a:rPr>
-              <a:t>.</a:t>
-            </a:r>
+              <a:t>사람의 표정에 따른 감정 상태를 알려주기</a:t>
+            </a:r>
+            <a:endParaRPr lang="en-US" altLang="ko-KR" sz="1600" dirty="0">
+              <a:solidFill>
+                <a:schemeClr val="bg2">
+                  <a:lumMod val="90000"/>
+                </a:schemeClr>
+              </a:solidFill>
+              <a:latin typeface="+mn-ea"/>
+            </a:endParaRPr>
+          </a:p>
+          <a:p>
+            <a:r>
+              <a:rPr lang="ko-KR" altLang="en-US" sz="1600" dirty="0" err="1">
+                <a:solidFill>
+                  <a:schemeClr val="bg2">
+                    <a:lumMod val="90000"/>
+                  </a:schemeClr>
+                </a:solidFill>
+                <a:latin typeface="+mn-ea"/>
+              </a:rPr>
+              <a:t>혼자할</a:t>
+            </a:r>
+            <a:r>
+              <a:rPr lang="ko-KR" altLang="en-US" sz="1600" dirty="0">
+                <a:solidFill>
+                  <a:schemeClr val="bg2">
+                    <a:lumMod val="90000"/>
+                  </a:schemeClr>
+                </a:solidFill>
+                <a:latin typeface="+mn-ea"/>
+              </a:rPr>
+              <a:t> 수 있는 캐치마인드 게임</a:t>
+            </a:r>
+            <a:endParaRPr lang="en-US" altLang="ko-KR" sz="1600" dirty="0">
+              <a:solidFill>
+                <a:schemeClr val="bg2">
+                  <a:lumMod val="90000"/>
+                </a:schemeClr>
+              </a:solidFill>
+              <a:latin typeface="+mn-ea"/>
+            </a:endParaRPr>
+          </a:p>
+          <a:p>
             <a:endParaRPr lang="ko-KR" altLang="en-US" sz="1600" dirty="0">
               <a:solidFill>
                 <a:schemeClr val="bg2">
@@ -4644,7 +4696,7 @@
         <p:spPr>
           <a:xfrm>
             <a:off x="376335" y="1077942"/>
-            <a:ext cx="11439332" cy="1077218"/>
+            <a:ext cx="11439332" cy="1815882"/>
           </a:xfrm>
           <a:prstGeom prst="rect">
             <a:avLst/>
@@ -4704,6 +4756,30 @@
                 <a:latin typeface="+mn-ea"/>
               </a:rPr>
             </a:br>
+            <a:r>
+              <a:rPr lang="en-US" altLang="ko-KR" sz="1600" dirty="0">
+                <a:solidFill>
+                  <a:schemeClr val="tx1">
+                    <a:lumMod val="85000"/>
+                    <a:lumOff val="15000"/>
+                  </a:schemeClr>
+                </a:solidFill>
+                <a:latin typeface="+mn-ea"/>
+              </a:rPr>
+              <a:t>- </a:t>
+            </a:r>
+            <a:r>
+              <a:rPr lang="ko-KR" altLang="en-US" sz="1600" dirty="0">
+                <a:solidFill>
+                  <a:schemeClr val="tx1">
+                    <a:lumMod val="85000"/>
+                    <a:lumOff val="15000"/>
+                  </a:schemeClr>
+                </a:solidFill>
+                <a:latin typeface="+mn-ea"/>
+              </a:rPr>
+              <a:t>마스크 착용 여부 판독기</a:t>
+            </a:r>
             <a:br>
               <a:rPr lang="en-US" altLang="ko-KR" sz="1600" dirty="0">
                 <a:solidFill>
@@ -4762,15 +4838,128 @@
               </a:rPr>
               <a:t>.</a:t>
             </a:r>
-            <a:endParaRPr lang="ko-KR" altLang="en-US" sz="1600" dirty="0">
-              <a:solidFill>
-                <a:schemeClr val="tx1">
-                  <a:lumMod val="85000"/>
-                  <a:lumOff val="15000"/>
-                </a:schemeClr>
-              </a:solidFill>
-              <a:latin typeface="+mn-ea"/>
-            </a:endParaRPr>
+          </a:p>
+          <a:p>
+            <a:r>
+              <a:rPr lang="en-US" altLang="ko-KR" sz="1600" dirty="0">
+                <a:solidFill>
+                  <a:schemeClr val="tx1">
+                    <a:lumMod val="85000"/>
+                    <a:lumOff val="15000"/>
+                  </a:schemeClr>
+                </a:solidFill>
+                <a:latin typeface="+mn-ea"/>
+              </a:rPr>
+              <a:t>- </a:t>
+            </a:r>
+            <a:r>
+              <a:rPr lang="ko-KR" altLang="en-US" sz="1600" dirty="0">
+                <a:solidFill>
+                  <a:schemeClr val="tx1">
+                    <a:lumMod val="85000"/>
+                    <a:lumOff val="15000"/>
+                  </a:schemeClr>
+                </a:solidFill>
+                <a:latin typeface="+mn-ea"/>
+              </a:rPr>
+              <a:t>코로나 사태로 인해 건물에 출입할 때마다</a:t>
+            </a:r>
+            <a:r>
+              <a:rPr lang="en-US" altLang="ko-KR" sz="1600" dirty="0">
+                <a:solidFill>
+                  <a:schemeClr val="tx1">
+                    <a:lumMod val="85000"/>
+                    <a:lumOff val="15000"/>
+                  </a:schemeClr>
+                </a:solidFill>
+                <a:latin typeface="+mn-ea"/>
+              </a:rPr>
+              <a:t>, </a:t>
+            </a:r>
+            <a:r>
+              <a:rPr lang="ko-KR" altLang="en-US" sz="1600" dirty="0">
+                <a:solidFill>
+                  <a:schemeClr val="tx1">
+                    <a:lumMod val="85000"/>
+                    <a:lumOff val="15000"/>
+                  </a:schemeClr>
+                </a:solidFill>
+                <a:latin typeface="+mn-ea"/>
+              </a:rPr>
+              <a:t>출입 명부와 열 체크를 하고 들어간다</a:t>
+            </a:r>
+            <a:r>
+              <a:rPr lang="en-US" altLang="ko-KR" sz="1600" dirty="0">
+                <a:solidFill>
+                  <a:schemeClr val="tx1">
+                    <a:lumMod val="85000"/>
+                    <a:lumOff val="15000"/>
+                  </a:schemeClr>
+                </a:solidFill>
+                <a:latin typeface="+mn-ea"/>
+              </a:rPr>
+              <a:t>. </a:t>
+            </a:r>
+            <a:r>
+              <a:rPr lang="ko-KR" altLang="en-US" sz="1600" dirty="0">
+                <a:solidFill>
+                  <a:schemeClr val="tx1">
+                    <a:lumMod val="85000"/>
+                    <a:lumOff val="15000"/>
+                  </a:schemeClr>
+                </a:solidFill>
+                <a:latin typeface="+mn-ea"/>
+              </a:rPr>
+              <a:t>하지만 마스크를 착용했는지에 대한 여부는 사람이 판단하기 마련이다</a:t>
+            </a:r>
+            <a:r>
+              <a:rPr lang="en-US" altLang="ko-KR" sz="1600" dirty="0">
+                <a:solidFill>
+                  <a:schemeClr val="tx1">
+                    <a:lumMod val="85000"/>
+                    <a:lumOff val="15000"/>
+                  </a:schemeClr>
+                </a:solidFill>
+                <a:latin typeface="+mn-ea"/>
+              </a:rPr>
+              <a:t>. </a:t>
+            </a:r>
+            <a:r>
+              <a:rPr lang="ko-KR" altLang="en-US" sz="1600" dirty="0">
+                <a:solidFill>
+                  <a:schemeClr val="tx1">
+                    <a:lumMod val="85000"/>
+                    <a:lumOff val="15000"/>
+                  </a:schemeClr>
+                </a:solidFill>
+                <a:latin typeface="+mn-ea"/>
+              </a:rPr>
+              <a:t>하지만 이 웹 어플리케이션을 사용하면 사람들이 출입하는 동시에 그 사람이 마스크를 착용했는지에 대한 여부를 판단할 수 있다</a:t>
+            </a:r>
+            <a:r>
+              <a:rPr lang="en-US" altLang="ko-KR" sz="1600" dirty="0">
+                <a:solidFill>
+                  <a:schemeClr val="tx1">
+                    <a:lumMod val="85000"/>
+                    <a:lumOff val="15000"/>
+                  </a:schemeClr>
+                </a:solidFill>
+                <a:latin typeface="+mn-ea"/>
+              </a:rPr>
+              <a:t>.</a:t>
+            </a:r>
+            <a:r>
+              <a:rPr lang="ko-KR" altLang="en-US" sz="1600" dirty="0">
+                <a:solidFill>
+                  <a:schemeClr val="tx1">
+                    <a:lumMod val="85000"/>
+                    <a:lumOff val="15000"/>
+                  </a:schemeClr>
+                </a:solidFill>
+                <a:latin typeface="+mn-ea"/>
+              </a:rPr>
+              <a:t> </a:t>
+            </a:r>
           </a:p>
         </p:txBody>
       </p:sp>

--- a/Report.pptx
+++ b/Report.pptx
@@ -4488,7 +4488,7 @@
         <p:spPr>
           <a:xfrm>
             <a:off x="376333" y="3497734"/>
-            <a:ext cx="11439332" cy="1077218"/>
+            <a:ext cx="11439332" cy="1569660"/>
           </a:xfrm>
           <a:prstGeom prst="rect">
             <a:avLst/>
@@ -4565,6 +4565,37 @@
               </a:rPr>
               <a:t> 수 있는 캐치마인드 게임</a:t>
             </a:r>
+            <a:endParaRPr lang="en-US" altLang="ko-KR" sz="1600" dirty="0">
+              <a:solidFill>
+                <a:schemeClr val="bg2">
+                  <a:lumMod val="90000"/>
+                </a:schemeClr>
+              </a:solidFill>
+              <a:latin typeface="+mn-ea"/>
+            </a:endParaRPr>
+          </a:p>
+          <a:p>
+            <a:r>
+              <a:rPr lang="ko-KR" altLang="en-US" sz="1600" dirty="0">
+                <a:solidFill>
+                  <a:schemeClr val="bg2">
+                    <a:lumMod val="90000"/>
+                  </a:schemeClr>
+                </a:solidFill>
+                <a:latin typeface="+mn-ea"/>
+              </a:rPr>
+              <a:t>닮은꼴 연예인 찾기</a:t>
+            </a:r>
+            <a:endParaRPr lang="en-US" altLang="ko-KR" sz="1600" dirty="0">
+              <a:solidFill>
+                <a:schemeClr val="bg2">
+                  <a:lumMod val="90000"/>
+                </a:schemeClr>
+              </a:solidFill>
+              <a:latin typeface="+mn-ea"/>
+            </a:endParaRPr>
+          </a:p>
+          <a:p>
             <a:endParaRPr lang="en-US" altLang="ko-KR" sz="1600" dirty="0">
               <a:solidFill>
                 <a:schemeClr val="bg2">
@@ -5002,33 +5033,7 @@
                 <a:latin typeface="HY헤드라인M" panose="02030600000101010101" pitchFamily="18" charset="-127"/>
                 <a:ea typeface="HY헤드라인M" panose="02030600000101010101" pitchFamily="18" charset="-127"/>
               </a:rPr>
-              <a:t>3</a:t>
-            </a:r>
-            <a:r>
-              <a:rPr lang="en-US" altLang="ko-KR" sz="2400">
-                <a:solidFill>
-                  <a:schemeClr val="tx1">
-                    <a:lumMod val="85000"/>
-                    <a:lumOff val="15000"/>
-                  </a:schemeClr>
-                </a:solidFill>
-                <a:latin typeface="HY헤드라인M" panose="02030600000101010101" pitchFamily="18" charset="-127"/>
-                <a:ea typeface="HY헤드라인M" panose="02030600000101010101" pitchFamily="18" charset="-127"/>
-              </a:rPr>
-              <a:t>. </a:t>
-            </a:r>
-            <a:r>
-              <a:rPr lang="en-US" altLang="ko-KR" sz="2400" dirty="0">
-                <a:solidFill>
-                  <a:schemeClr val="tx1">
-                    <a:lumMod val="85000"/>
-                    <a:lumOff val="15000"/>
-                  </a:schemeClr>
-                </a:solidFill>
-                <a:latin typeface="HY헤드라인M" panose="02030600000101010101" pitchFamily="18" charset="-127"/>
-                <a:ea typeface="HY헤드라인M" panose="02030600000101010101" pitchFamily="18" charset="-127"/>
-              </a:rPr>
-              <a:t>GitHub </a:t>
+              <a:t>3. GitHub </a:t>
             </a:r>
             <a:r>
               <a:rPr lang="ko-KR" altLang="en-US" sz="2400" dirty="0">
